--- a/6.Crypto/Cryptology7-Elliptic-Curve.pptx
+++ b/6.Crypto/Cryptology7-Elliptic-Curve.pptx
@@ -214,7 +214,7 @@
           <a:p>
             <a:fld id="{94D81996-0227-44CA-AC4C-032645537F57}" type="datetimeFigureOut">
               <a:rPr lang="en-US" smtClean="0"/>
-              <a:t>11/26/2020</a:t>
+              <a:t>2/28/2022</a:t>
             </a:fld>
             <a:endParaRPr lang="en-US"/>
           </a:p>
@@ -2794,7 +2794,7 @@
           <a:p>
             <a:fld id="{1451AC46-F7BF-44D3-9ECB-7DDAC9A69083}" type="datetimeFigureOut">
               <a:rPr lang="en-US" smtClean="0"/>
-              <a:t>11/26/2020</a:t>
+              <a:t>2/28/2022</a:t>
             </a:fld>
             <a:endParaRPr lang="en-US"/>
           </a:p>
@@ -2992,7 +2992,7 @@
           <a:p>
             <a:fld id="{1451AC46-F7BF-44D3-9ECB-7DDAC9A69083}" type="datetimeFigureOut">
               <a:rPr lang="en-US" smtClean="0"/>
-              <a:t>11/26/2020</a:t>
+              <a:t>2/28/2022</a:t>
             </a:fld>
             <a:endParaRPr lang="en-US"/>
           </a:p>
@@ -3200,7 +3200,7 @@
           <a:p>
             <a:fld id="{1451AC46-F7BF-44D3-9ECB-7DDAC9A69083}" type="datetimeFigureOut">
               <a:rPr lang="en-US" smtClean="0"/>
-              <a:t>11/26/2020</a:t>
+              <a:t>2/28/2022</a:t>
             </a:fld>
             <a:endParaRPr lang="en-US"/>
           </a:p>
@@ -3398,7 +3398,7 @@
           <a:p>
             <a:fld id="{1451AC46-F7BF-44D3-9ECB-7DDAC9A69083}" type="datetimeFigureOut">
               <a:rPr lang="en-US" smtClean="0"/>
-              <a:t>11/26/2020</a:t>
+              <a:t>2/28/2022</a:t>
             </a:fld>
             <a:endParaRPr lang="en-US"/>
           </a:p>
@@ -3673,7 +3673,7 @@
           <a:p>
             <a:fld id="{1451AC46-F7BF-44D3-9ECB-7DDAC9A69083}" type="datetimeFigureOut">
               <a:rPr lang="en-US" smtClean="0"/>
-              <a:t>11/26/2020</a:t>
+              <a:t>2/28/2022</a:t>
             </a:fld>
             <a:endParaRPr lang="en-US"/>
           </a:p>
@@ -3938,7 +3938,7 @@
           <a:p>
             <a:fld id="{1451AC46-F7BF-44D3-9ECB-7DDAC9A69083}" type="datetimeFigureOut">
               <a:rPr lang="en-US" smtClean="0"/>
-              <a:t>11/26/2020</a:t>
+              <a:t>2/28/2022</a:t>
             </a:fld>
             <a:endParaRPr lang="en-US"/>
           </a:p>
@@ -4350,7 +4350,7 @@
           <a:p>
             <a:fld id="{1451AC46-F7BF-44D3-9ECB-7DDAC9A69083}" type="datetimeFigureOut">
               <a:rPr lang="en-US" smtClean="0"/>
-              <a:t>11/26/2020</a:t>
+              <a:t>2/28/2022</a:t>
             </a:fld>
             <a:endParaRPr lang="en-US"/>
           </a:p>
@@ -4491,7 +4491,7 @@
           <a:p>
             <a:fld id="{1451AC46-F7BF-44D3-9ECB-7DDAC9A69083}" type="datetimeFigureOut">
               <a:rPr lang="en-US" smtClean="0"/>
-              <a:t>11/26/2020</a:t>
+              <a:t>2/28/2022</a:t>
             </a:fld>
             <a:endParaRPr lang="en-US"/>
           </a:p>
@@ -4604,7 +4604,7 @@
           <a:p>
             <a:fld id="{1451AC46-F7BF-44D3-9ECB-7DDAC9A69083}" type="datetimeFigureOut">
               <a:rPr lang="en-US" smtClean="0"/>
-              <a:t>11/26/2020</a:t>
+              <a:t>2/28/2022</a:t>
             </a:fld>
             <a:endParaRPr lang="en-US"/>
           </a:p>
@@ -4915,7 +4915,7 @@
           <a:p>
             <a:fld id="{1451AC46-F7BF-44D3-9ECB-7DDAC9A69083}" type="datetimeFigureOut">
               <a:rPr lang="en-US" smtClean="0"/>
-              <a:t>11/26/2020</a:t>
+              <a:t>2/28/2022</a:t>
             </a:fld>
             <a:endParaRPr lang="en-US"/>
           </a:p>
@@ -5203,7 +5203,7 @@
           <a:p>
             <a:fld id="{1451AC46-F7BF-44D3-9ECB-7DDAC9A69083}" type="datetimeFigureOut">
               <a:rPr lang="en-US" smtClean="0"/>
-              <a:t>11/26/2020</a:t>
+              <a:t>2/28/2022</a:t>
             </a:fld>
             <a:endParaRPr lang="en-US"/>
           </a:p>
@@ -5444,7 +5444,7 @@
           <a:p>
             <a:fld id="{1451AC46-F7BF-44D3-9ECB-7DDAC9A69083}" type="datetimeFigureOut">
               <a:rPr lang="en-US" smtClean="0"/>
-              <a:t>11/26/2020</a:t>
+              <a:t>2/28/2022</a:t>
             </a:fld>
             <a:endParaRPr lang="en-US"/>
           </a:p>
@@ -7975,19 +7975,24 @@
           <a:lstStyle/>
           <a:p>
             <a:r>
-              <a:rPr lang="en-US"/>
-              <a:t>Verify this using </a:t>
+              <a:rPr lang="en-US" dirty="0"/>
+              <a:t>Verify this </a:t>
+            </a:r>
+            <a:r>
+              <a:rPr lang="en-US"/>
+              <a:t>using </a:t>
             </a:r>
             <a:r>
               <a:rPr lang="en-US">
                 <a:hlinkClick r:id="rId3"/>
               </a:rPr>
-              <a:t>https://cdn.rawgit.com/andreacorbellini/ecc/920b29a/interactive/modk-mul.html</a:t>
+              <a:t>https://andrea.corbellini.name/ecc/interactive/modk-mul.html</a:t>
             </a:r>
             <a:r>
               <a:rPr lang="en-US"/>
               <a:t> </a:t>
             </a:r>
+            <a:endParaRPr lang="en-US" dirty="0"/>
           </a:p>
         </p:txBody>
       </p:sp>
@@ -8079,7 +8084,7 @@
             <a:pPr lvl="1"/>
             <a:r>
               <a:rPr lang="en-US" dirty="0"/>
-              <a:t>Allows much smaller key sizes, 224 bit versus 2048 (modulus is still 2048 bits)</a:t>
+              <a:t>Allows much smaller key sizes, 224 bits versus 2048 (modulus is still 2048 bits)</a:t>
             </a:r>
           </a:p>
           <a:p>
@@ -10220,7 +10225,7 @@
               <a:buNone/>
             </a:pPr>
             <a:r>
-              <a:rPr lang="en-US"/>
+              <a:rPr lang="en-US" dirty="0"/>
               <a:t>Both Real Numbers and Discrete</a:t>
             </a:r>
           </a:p>
@@ -10229,21 +10234,10 @@
               <a:buNone/>
             </a:pPr>
             <a:r>
-              <a:rPr lang="en-US" sz="2100">
-                <a:hlinkClick r:id="rId3"/>
-              </a:rPr>
-              <a:t>https://cdn.rawgit.com/andreacorbellini/ecc/920b29a/interactive/modk-add.html</a:t>
-            </a:r>
-            <a:r>
-              <a:rPr lang="en-US" sz="2100"/>
-              <a:t> </a:t>
-            </a:r>
-          </a:p>
-          <a:p>
-            <a:pPr marL="0" indent="0">
-              <a:buNone/>
-            </a:pPr>
-            <a:endParaRPr lang="en-US"/>
+              <a:rPr lang="en-US" sz="2100" dirty="0"/>
+              <a:t>https://andrea.corbellini.name/ecc/interactive/modk-mul.html</a:t>
+            </a:r>
+            <a:endParaRPr lang="en-US" dirty="0"/>
           </a:p>
         </p:txBody>
       </p:sp>
@@ -10262,7 +10256,7 @@
           <p:nvPr/>
         </p:nvPicPr>
         <p:blipFill>
-          <a:blip r:embed="rId4"/>
+          <a:blip r:embed="rId3"/>
           <a:stretch>
             <a:fillRect/>
           </a:stretch>
@@ -10493,7 +10487,7 @@
             </a:r>
             <a:r>
               <a:rPr lang="en-US" sz="1400" dirty="0">
-                <a:hlinkClick r:id="rId5"/>
+                <a:hlinkClick r:id="rId4"/>
               </a:rPr>
               <a:t>http://www.christelbach.com/eccalculator.aspx</a:t>
             </a:r>
@@ -10514,7 +10508,7 @@
             </a:r>
             <a:r>
               <a:rPr lang="en-US" sz="1400" dirty="0">
-                <a:hlinkClick r:id="rId6"/>
+                <a:hlinkClick r:id="rId5"/>
               </a:rPr>
               <a:t>https://www.desmos.com/calculator/ialhd71we3</a:t>
             </a:r>
